--- a/Zavrsni rad Dusan Fajler.pptx
+++ b/Zavrsni rad Dusan Fajler.pptx
@@ -7467,16 +7467,38 @@
           <a:bodyPr/>
           <a:lstStyle/>
           <a:p>
+            <a:pPr>
+              <a:buNone/>
+            </a:pPr>
+            <a:r>
+              <a:rPr lang="sr-Latn-RS" sz="1600" dirty="0" smtClean="0"/>
+              <a:t>	</a:t>
+            </a:r>
             <a:r>
               <a:rPr lang="sr-Cyrl-CS" sz="1600" dirty="0" smtClean="0"/>
-              <a:t>Тема овог рада је симулација групног кретања у природи. То може бити јато птица, крдо бизона, рој мушица итд. </a:t>
+              <a:t>Тема </a:t>
+            </a:r>
+            <a:r>
+              <a:rPr lang="sr-Cyrl-CS" sz="1600" dirty="0" smtClean="0"/>
+              <a:t>овог рада је симулација групног кретања у природи. То може бити јато птица, крдо бизона, рој мушица итд. </a:t>
             </a:r>
             <a:endParaRPr lang="en-US" sz="1600" dirty="0" smtClean="0"/>
           </a:p>
           <a:p>
+            <a:pPr>
+              <a:buNone/>
+            </a:pPr>
+            <a:r>
+              <a:rPr lang="sr-Latn-RS" sz="1600" dirty="0" smtClean="0"/>
+              <a:t>	</a:t>
+            </a:r>
             <a:r>
               <a:rPr lang="sr-Cyrl-CS" sz="1600" dirty="0" smtClean="0"/>
-              <a:t>Кретање јата птица једно је од ужитака природе</a:t>
+              <a:t>Кретање </a:t>
+            </a:r>
+            <a:r>
+              <a:rPr lang="sr-Cyrl-CS" sz="1600" dirty="0" smtClean="0"/>
+              <a:t>јата птица једно је од ужитака природе</a:t>
             </a:r>
             <a:r>
               <a:rPr lang="en-US" sz="1600" dirty="0" smtClean="0"/>
@@ -7769,6 +7791,9 @@
             <a:endParaRPr lang="en-US" sz="1600" dirty="0" smtClean="0"/>
           </a:p>
           <a:p>
+            <a:pPr>
+              <a:buNone/>
+            </a:pPr>
             <a:r>
               <a:rPr lang="sr-Cyrl-RS" sz="1600" dirty="0" smtClean="0"/>
               <a:t> </a:t>
@@ -7776,6 +7801,13 @@
             <a:endParaRPr lang="en-US" sz="1600" dirty="0" smtClean="0"/>
           </a:p>
           <a:p>
+            <a:pPr>
+              <a:buNone/>
+            </a:pPr>
+            <a:r>
+              <a:rPr lang="sr-Latn-RS" sz="1600" dirty="0" smtClean="0"/>
+              <a:t>	</a:t>
+            </a:r>
             <a:r>
               <a:rPr lang="sr-Cyrl-RS" sz="1600" dirty="0" smtClean="0"/>
               <a:t>Ако </a:t>
@@ -7807,13 +7839,27 @@
             <a:endParaRPr lang="en-US" sz="1600" dirty="0" smtClean="0"/>
           </a:p>
           <a:p>
+            <a:pPr>
+              <a:buNone/>
+            </a:pPr>
+            <a:r>
+              <a:rPr lang="sr-Latn-RS" sz="1600" dirty="0" smtClean="0"/>
+              <a:t>	</a:t>
+            </a:r>
             <a:r>
               <a:rPr lang="sr-Cyrl-RS" sz="1600" dirty="0" smtClean="0"/>
-              <a:t>Ако овај симулирани модел птице има исправно понашање члана јата, све што би требало да буде потребно да би се креирало симулирано јато је да се креирају неке инстанце симулираног модела птице и да им се омогући интеракција.</a:t>
+              <a:t>Ако </a:t>
+            </a:r>
+            <a:r>
+              <a:rPr lang="sr-Cyrl-RS" sz="1600" dirty="0" smtClean="0"/>
+              <a:t>овај симулирани модел птице има исправно понашање члана јата, све што би требало да буде потребно да би се креирало симулирано јато је да се креирају неке инстанце симулираног модела птице и да им се омогући интеракција.</a:t>
             </a:r>
             <a:endParaRPr lang="en-US" sz="1600" dirty="0" smtClean="0"/>
           </a:p>
           <a:p>
+            <a:pPr>
+              <a:buNone/>
+            </a:pPr>
             <a:r>
               <a:rPr lang="sr-Cyrl-RS" sz="1600" dirty="0" smtClean="0"/>
               <a:t> </a:t>
@@ -7821,13 +7867,24 @@
             <a:endParaRPr lang="en-US" sz="1600" dirty="0" smtClean="0"/>
           </a:p>
           <a:p>
+            <a:pPr>
+              <a:buNone/>
+            </a:pPr>
+            <a:r>
+              <a:rPr lang="sr-Latn-RS" sz="1600" dirty="0" smtClean="0"/>
+              <a:t>	</a:t>
+            </a:r>
             <a:r>
               <a:rPr lang="sr-Cyrl-RS" sz="1600" dirty="0" smtClean="0"/>
               <a:t>П</a:t>
             </a:r>
             <a:r>
               <a:rPr lang="sr-Cyrl-CS" sz="1600" dirty="0" smtClean="0"/>
-              <a:t>ојединачну јединку у групи </a:t>
+              <a:t>ојединачну </a:t>
+            </a:r>
+            <a:r>
+              <a:rPr lang="sr-Cyrl-CS" sz="1600" dirty="0" smtClean="0"/>
+              <a:t>јединку у групи </a:t>
             </a:r>
             <a:r>
               <a:rPr lang="sr-Cyrl-RS" sz="1600" dirty="0" smtClean="0"/>
@@ -7846,39 +7903,6 @@
               <a:t>).</a:t>
             </a:r>
             <a:endParaRPr lang="en-US" sz="1600" dirty="0" smtClean="0"/>
-          </a:p>
-          <a:p>
-            <a:endParaRPr lang="en-US" dirty="0"/>
-          </a:p>
-        </p:txBody>
-      </p:sp>
-      <p:sp>
-        <p:nvSpPr>
-          <p:cNvPr id="6" name="TextBox 5"/>
-          <p:cNvSpPr txBox="1"/>
-          <p:nvPr/>
-        </p:nvSpPr>
-        <p:spPr>
-          <a:xfrm>
-            <a:off x="1600200" y="5791200"/>
-            <a:ext cx="1332994" cy="553998"/>
-          </a:xfrm>
-          <a:prstGeom prst="rect">
-            <a:avLst/>
-          </a:prstGeom>
-          <a:noFill/>
-        </p:spPr>
-        <p:txBody>
-          <a:bodyPr wrap="none" rtlCol="0">
-            <a:spAutoFit/>
-          </a:bodyPr>
-          <a:lstStyle/>
-          <a:p>
-            <a:r>
-              <a:rPr lang="sr-Cyrl-RS" sz="1200" dirty="0"/>
-              <a:t>Сл. 1. Симулација</a:t>
-            </a:r>
-            <a:endParaRPr lang="en-US" sz="1200" dirty="0"/>
           </a:p>
           <a:p>
             <a:endParaRPr lang="en-US" dirty="0"/>
@@ -16412,118 +16436,119 @@
             <a:endParaRPr lang="en-US" sz="1800" dirty="0"/>
           </a:p>
           <a:p>
-            <a:pPr lvl="0"/>
-            <a:r>
-              <a:rPr lang="sr-Cyrl-CS" sz="1800" i="1" dirty="0" smtClean="0"/>
+            <a:pPr lvl="1"/>
+            <a:r>
+              <a:rPr lang="sr-Cyrl-CS" sz="1400" i="1" dirty="0" smtClean="0"/>
               <a:t>Simple </a:t>
             </a:r>
             <a:r>
-              <a:rPr lang="sr-Cyrl-CS" sz="1800" i="1" dirty="0"/>
+              <a:rPr lang="sr-Cyrl-CS" sz="1400" i="1" dirty="0"/>
               <a:t>DirectMedia Layer </a:t>
             </a:r>
             <a:r>
-              <a:rPr lang="en-US" sz="1800" i="1" dirty="0"/>
+              <a:rPr lang="en-US" sz="1400" i="1" dirty="0"/>
               <a:t>(SDL)</a:t>
             </a:r>
             <a:r>
-              <a:rPr lang="en-US" sz="1800" dirty="0"/>
+              <a:rPr lang="en-US" sz="1400" dirty="0"/>
               <a:t>  – </a:t>
             </a:r>
             <a:r>
-              <a:rPr lang="sr-Cyrl-CS" sz="1800" dirty="0"/>
+              <a:rPr lang="sr-Cyrl-CS" sz="1400" dirty="0"/>
               <a:t>обезбеђује отварање прозора, детекцију уноса, мерење времена итд.</a:t>
             </a:r>
-            <a:endParaRPr lang="en-US" sz="1800" dirty="0"/>
-          </a:p>
-          <a:p>
-            <a:pPr lvl="0"/>
-            <a:r>
-              <a:rPr lang="sr-Cyrl-CS" sz="1800" i="1" dirty="0"/>
+            <a:endParaRPr lang="en-US" sz="1400" dirty="0"/>
+          </a:p>
+          <a:p>
+            <a:pPr lvl="1"/>
+            <a:r>
+              <a:rPr lang="sr-Cyrl-CS" sz="1400" i="1" dirty="0"/>
               <a:t>The OpenGL Extension Wrangler Library (GLEW)</a:t>
             </a:r>
             <a:r>
-              <a:rPr lang="en-US" sz="1800" dirty="0"/>
+              <a:rPr lang="en-US" sz="1400" dirty="0"/>
               <a:t> – </a:t>
             </a:r>
             <a:r>
-              <a:rPr lang="sr-Cyrl-CS" sz="1800" dirty="0"/>
+              <a:rPr lang="sr-Cyrl-CS" sz="1400" dirty="0"/>
               <a:t>учитавање </a:t>
             </a:r>
             <a:r>
-              <a:rPr lang="en-US" sz="1800" i="1" dirty="0"/>
+              <a:rPr lang="en-US" sz="1400" i="1" dirty="0"/>
               <a:t>OpenGL</a:t>
             </a:r>
             <a:r>
-              <a:rPr lang="sr-Cyrl-CS" sz="1800" dirty="0"/>
+              <a:rPr lang="sr-Cyrl-CS" sz="1400" dirty="0"/>
               <a:t> екстензија</a:t>
             </a:r>
-            <a:endParaRPr lang="en-US" sz="1800" dirty="0"/>
-          </a:p>
-          <a:p>
-            <a:r>
-              <a:rPr lang="sr-Cyrl-CS" sz="1800" i="1" dirty="0"/>
+            <a:endParaRPr lang="en-US" sz="1400" dirty="0"/>
+          </a:p>
+          <a:p>
+            <a:pPr lvl="1"/>
+            <a:r>
+              <a:rPr lang="sr-Cyrl-CS" sz="1400" i="1" dirty="0"/>
               <a:t>OpenGL Mathematics (GLM)</a:t>
             </a:r>
             <a:r>
-              <a:rPr lang="en-US" sz="1800" dirty="0"/>
+              <a:rPr lang="en-US" sz="1400" dirty="0"/>
               <a:t> – </a:t>
             </a:r>
             <a:r>
-              <a:rPr lang="en-US" sz="1800" dirty="0" err="1"/>
+              <a:rPr lang="en-US" sz="1400" dirty="0" err="1"/>
               <a:t>операције</a:t>
             </a:r>
             <a:r>
-              <a:rPr lang="en-US" sz="1800" dirty="0"/>
-              <a:t> </a:t>
-            </a:r>
-            <a:r>
-              <a:rPr lang="en-US" sz="1800" dirty="0" err="1"/>
+              <a:rPr lang="en-US" sz="1400" dirty="0"/>
+              <a:t> </a:t>
+            </a:r>
+            <a:r>
+              <a:rPr lang="en-US" sz="1400" dirty="0" err="1"/>
               <a:t>над</a:t>
             </a:r>
             <a:r>
-              <a:rPr lang="sr-Cyrl-CS" sz="1800" dirty="0"/>
-              <a:t> </a:t>
-            </a:r>
-            <a:r>
-              <a:rPr lang="sr-Cyrl-CS" sz="1800" dirty="0" smtClean="0"/>
+              <a:rPr lang="sr-Cyrl-CS" sz="1400" dirty="0"/>
+              <a:t> </a:t>
+            </a:r>
+            <a:r>
+              <a:rPr lang="sr-Cyrl-CS" sz="1400" dirty="0" smtClean="0"/>
               <a:t>векторима</a:t>
             </a:r>
           </a:p>
           <a:p>
-            <a:pPr lvl="0"/>
-            <a:r>
-              <a:rPr lang="en-US" sz="1800" i="1" dirty="0" err="1"/>
+            <a:pPr lvl="1"/>
+            <a:r>
+              <a:rPr lang="en-US" sz="1400" i="1" dirty="0" err="1"/>
               <a:t>PicoPNG</a:t>
             </a:r>
             <a:r>
-              <a:rPr lang="en-US" sz="1800" dirty="0"/>
-              <a:t> </a:t>
-            </a:r>
-            <a:r>
-              <a:rPr lang="sr-Cyrl-CS" sz="1800" dirty="0"/>
+              <a:rPr lang="en-US" sz="1400" dirty="0"/>
+              <a:t> </a:t>
+            </a:r>
+            <a:r>
+              <a:rPr lang="sr-Cyrl-CS" sz="1400" dirty="0"/>
               <a:t>– </a:t>
             </a:r>
             <a:r>
-              <a:rPr lang="sr-Cyrl-RS" sz="1800" dirty="0"/>
+              <a:rPr lang="sr-Cyrl-RS" sz="1400" dirty="0"/>
               <a:t>декодирање </a:t>
             </a:r>
             <a:r>
-              <a:rPr lang="en-US" sz="1800" i="1" dirty="0"/>
+              <a:rPr lang="en-US" sz="1400" i="1" dirty="0"/>
               <a:t>.</a:t>
             </a:r>
             <a:r>
-              <a:rPr lang="en-US" sz="1800" i="1" dirty="0" err="1"/>
+              <a:rPr lang="en-US" sz="1400" i="1" dirty="0" err="1"/>
               <a:t>png</a:t>
             </a:r>
             <a:r>
-              <a:rPr lang="en-US" sz="1800" i="1" dirty="0"/>
-              <a:t> </a:t>
-            </a:r>
-            <a:r>
-              <a:rPr lang="sr-Cyrl-RS" sz="1800" dirty="0"/>
+              <a:rPr lang="en-US" sz="1400" i="1" dirty="0"/>
+              <a:t> </a:t>
+            </a:r>
+            <a:r>
+              <a:rPr lang="sr-Cyrl-RS" sz="1400" dirty="0"/>
               <a:t>фајлова у бафер меморије</a:t>
             </a:r>
-            <a:endParaRPr lang="en-US" sz="1800" dirty="0"/>
+            <a:endParaRPr lang="en-US" sz="1400" dirty="0"/>
           </a:p>
           <a:p>
             <a:endParaRPr lang="en-US" sz="1800" dirty="0"/>
